--- a/1. Marketplace and MVP.pptx
+++ b/1. Marketplace and MVP.pptx
@@ -5,7 +5,7 @@
     <p:sldMasterId id="2147483660" r:id="rId1"/>
   </p:sldMasterIdLst>
   <p:notesMasterIdLst>
-    <p:notesMasterId r:id="rId20"/>
+    <p:notesMasterId r:id="rId21"/>
   </p:notesMasterIdLst>
   <p:sldIdLst>
     <p:sldId id="259" r:id="rId2"/>
@@ -25,7 +25,8 @@
     <p:sldId id="282" r:id="rId16"/>
     <p:sldId id="283" r:id="rId17"/>
     <p:sldId id="284" r:id="rId18"/>
-    <p:sldId id="270" r:id="rId19"/>
+    <p:sldId id="285" r:id="rId19"/>
+    <p:sldId id="270" r:id="rId20"/>
   </p:sldIdLst>
   <p:sldSz cx="17338675" cy="9753600"/>
   <p:notesSz cx="6858000" cy="9144000"/>
@@ -811,7 +812,7 @@
             </a:pPr>
             <a:fld id="{00000000-1234-1234-1234-123412341234}" type="slidenum">
               <a:rPr lang="en-GB"/>
-              <a:t>18</a:t>
+              <a:t>19</a:t>
             </a:fld>
             <a:endParaRPr/>
           </a:p>
@@ -5001,6 +5002,140 @@
   <p:cSld>
     <p:spTree>
       <p:nvGrpSpPr>
+        <p:cNvPr id="1" name=""/>
+        <p:cNvGrpSpPr/>
+        <p:nvPr/>
+      </p:nvGrpSpPr>
+      <p:grpSpPr>
+        <a:xfrm>
+          <a:off x="0" y="0"/>
+          <a:ext cx="0" cy="0"/>
+          <a:chOff x="0" y="0"/>
+          <a:chExt cx="0" cy="0"/>
+        </a:xfrm>
+      </p:grpSpPr>
+      <p:sp>
+        <p:nvSpPr>
+          <p:cNvPr id="2" name="Title 1">
+            <a:extLst>
+              <a:ext uri="{FF2B5EF4-FFF2-40B4-BE49-F238E27FC236}">
+                <a16:creationId xmlns:a16="http://schemas.microsoft.com/office/drawing/2014/main" id="{3AE1644C-3AAC-6FF7-D85A-D7E8A0847846}"/>
+              </a:ext>
+            </a:extLst>
+          </p:cNvPr>
+          <p:cNvSpPr>
+            <a:spLocks noGrp="1"/>
+          </p:cNvSpPr>
+          <p:nvPr>
+            <p:ph type="title"/>
+          </p:nvPr>
+        </p:nvSpPr>
+        <p:spPr/>
+        <p:txBody>
+          <a:bodyPr/>
+          <a:lstStyle/>
+          <a:p>
+            <a:r>
+              <a:rPr lang="en-GB" dirty="0"/>
+              <a:t>Business Model Canvas</a:t>
+            </a:r>
+          </a:p>
+        </p:txBody>
+      </p:sp>
+      <p:sp>
+        <p:nvSpPr>
+          <p:cNvPr id="4" name="Slide Number Placeholder 3">
+            <a:extLst>
+              <a:ext uri="{FF2B5EF4-FFF2-40B4-BE49-F238E27FC236}">
+                <a16:creationId xmlns:a16="http://schemas.microsoft.com/office/drawing/2014/main" id="{E85AC725-233C-69EC-D4C6-1EB396B80A27}"/>
+              </a:ext>
+            </a:extLst>
+          </p:cNvPr>
+          <p:cNvSpPr>
+            <a:spLocks noGrp="1"/>
+          </p:cNvSpPr>
+          <p:nvPr>
+            <p:ph type="sldNum" sz="quarter" idx="12"/>
+          </p:nvPr>
+        </p:nvSpPr>
+        <p:spPr/>
+        <p:txBody>
+          <a:bodyPr/>
+          <a:lstStyle/>
+          <a:p>
+            <a:fld id="{7AE184E0-0BD4-4705-A12B-9B71DDE63301}" type="slidenum">
+              <a:rPr lang="en-GB" noProof="0" smtClean="0"/>
+              <a:t>18</a:t>
+            </a:fld>
+            <a:endParaRPr lang="en-GB" noProof="0" dirty="0"/>
+          </a:p>
+        </p:txBody>
+      </p:sp>
+      <p:pic>
+        <p:nvPicPr>
+          <p:cNvPr id="1026" name="Picture 2" descr="Airbnb Business Model Canvas (Business Model Canvas example) — Vizzlo">
+            <a:extLst>
+              <a:ext uri="{FF2B5EF4-FFF2-40B4-BE49-F238E27FC236}">
+                <a16:creationId xmlns:a16="http://schemas.microsoft.com/office/drawing/2014/main" id="{08A07BCF-9D0C-C54D-BD0E-3B9292A2217B}"/>
+              </a:ext>
+            </a:extLst>
+          </p:cNvPr>
+          <p:cNvPicPr>
+            <a:picLocks noChangeAspect="1" noChangeArrowheads="1"/>
+          </p:cNvPicPr>
+          <p:nvPr/>
+        </p:nvPicPr>
+        <p:blipFill>
+          <a:blip r:embed="rId2">
+            <a:extLst>
+              <a:ext uri="{28A0092B-C50C-407E-A947-70E740481C1C}">
+                <a14:useLocalDpi xmlns:a14="http://schemas.microsoft.com/office/drawing/2010/main" val="0"/>
+              </a:ext>
+            </a:extLst>
+          </a:blip>
+          <a:srcRect/>
+          <a:stretch>
+            <a:fillRect/>
+          </a:stretch>
+        </p:blipFill>
+        <p:spPr bwMode="auto">
+          <a:xfrm>
+            <a:off x="826275" y="1115693"/>
+            <a:ext cx="15319948" cy="8617472"/>
+          </a:xfrm>
+          <a:prstGeom prst="rect">
+            <a:avLst/>
+          </a:prstGeom>
+          <a:noFill/>
+          <a:extLst>
+            <a:ext uri="{909E8E84-426E-40DD-AFC4-6F175D3DCCD1}">
+              <a14:hiddenFill xmlns:a14="http://schemas.microsoft.com/office/drawing/2010/main">
+                <a:solidFill>
+                  <a:srgbClr val="FFFFFF"/>
+                </a:solidFill>
+              </a14:hiddenFill>
+            </a:ext>
+          </a:extLst>
+        </p:spPr>
+      </p:pic>
+    </p:spTree>
+    <p:extLst>
+      <p:ext uri="{BB962C8B-B14F-4D97-AF65-F5344CB8AC3E}">
+        <p14:creationId xmlns:p14="http://schemas.microsoft.com/office/powerpoint/2010/main" val="1783907210"/>
+      </p:ext>
+    </p:extLst>
+  </p:cSld>
+  <p:clrMapOvr>
+    <a:masterClrMapping/>
+  </p:clrMapOvr>
+</p:sld>
+</file>
+
+<file path=ppt/slides/slide19.xml><?xml version="1.0" encoding="utf-8"?>
+<p:sld xmlns:a="http://schemas.openxmlformats.org/drawingml/2006/main" xmlns:r="http://schemas.openxmlformats.org/officeDocument/2006/relationships" xmlns:p="http://schemas.openxmlformats.org/presentationml/2006/main">
+  <p:cSld>
+    <p:spTree>
+      <p:nvGrpSpPr>
         <p:cNvPr id="1" name="Shape 208"/>
         <p:cNvGrpSpPr/>
         <p:nvPr/>
@@ -5299,7 +5434,7 @@
                 </a:spcAft>
                 <a:buNone/>
               </a:pPr>
-              <a:t>18</a:t>
+              <a:t>19</a:t>
             </a:fld>
             <a:endParaRPr/>
           </a:p>
